--- a/자료/수정용/흐름도수정용.ppt.pptx
+++ b/자료/수정용/흐름도수정용.ppt.pptx
@@ -105,6 +105,11 @@
       </a:defRPr>
     </a:lvl9pPr>
   </p:defaultTextStyle>
+  <p:extLst>
+    <p:ext uri="{EFAFB233-063F-42B5-8137-9DF3F51BA10A}">
+      <p15:sldGuideLst xmlns:p15="http://schemas.microsoft.com/office/powerpoint/2012/main"/>
+    </p:ext>
+  </p:extLst>
 </p:presentation>
 </file>
 
@@ -239,7 +244,7 @@
           <a:p>
             <a:fld id="{19972EF6-949D-4D0A-9035-D2BA9CAC352F}" type="datetimeFigureOut">
               <a:rPr lang="ko-KR" altLang="en-US" smtClean="0"/>
-              <a:t>2016-03-28</a:t>
+              <a:t>2016-05-02</a:t>
             </a:fld>
             <a:endParaRPr lang="ko-KR" altLang="en-US"/>
           </a:p>
@@ -409,7 +414,7 @@
           <a:p>
             <a:fld id="{19972EF6-949D-4D0A-9035-D2BA9CAC352F}" type="datetimeFigureOut">
               <a:rPr lang="ko-KR" altLang="en-US" smtClean="0"/>
-              <a:t>2016-03-28</a:t>
+              <a:t>2016-05-02</a:t>
             </a:fld>
             <a:endParaRPr lang="ko-KR" altLang="en-US"/>
           </a:p>
@@ -589,7 +594,7 @@
           <a:p>
             <a:fld id="{19972EF6-949D-4D0A-9035-D2BA9CAC352F}" type="datetimeFigureOut">
               <a:rPr lang="ko-KR" altLang="en-US" smtClean="0"/>
-              <a:t>2016-03-28</a:t>
+              <a:t>2016-05-02</a:t>
             </a:fld>
             <a:endParaRPr lang="ko-KR" altLang="en-US"/>
           </a:p>
@@ -759,7 +764,7 @@
           <a:p>
             <a:fld id="{19972EF6-949D-4D0A-9035-D2BA9CAC352F}" type="datetimeFigureOut">
               <a:rPr lang="ko-KR" altLang="en-US" smtClean="0"/>
-              <a:t>2016-03-28</a:t>
+              <a:t>2016-05-02</a:t>
             </a:fld>
             <a:endParaRPr lang="ko-KR" altLang="en-US"/>
           </a:p>
@@ -1005,7 +1010,7 @@
           <a:p>
             <a:fld id="{19972EF6-949D-4D0A-9035-D2BA9CAC352F}" type="datetimeFigureOut">
               <a:rPr lang="ko-KR" altLang="en-US" smtClean="0"/>
-              <a:t>2016-03-28</a:t>
+              <a:t>2016-05-02</a:t>
             </a:fld>
             <a:endParaRPr lang="ko-KR" altLang="en-US"/>
           </a:p>
@@ -1237,7 +1242,7 @@
           <a:p>
             <a:fld id="{19972EF6-949D-4D0A-9035-D2BA9CAC352F}" type="datetimeFigureOut">
               <a:rPr lang="ko-KR" altLang="en-US" smtClean="0"/>
-              <a:t>2016-03-28</a:t>
+              <a:t>2016-05-02</a:t>
             </a:fld>
             <a:endParaRPr lang="ko-KR" altLang="en-US"/>
           </a:p>
@@ -1604,7 +1609,7 @@
           <a:p>
             <a:fld id="{19972EF6-949D-4D0A-9035-D2BA9CAC352F}" type="datetimeFigureOut">
               <a:rPr lang="ko-KR" altLang="en-US" smtClean="0"/>
-              <a:t>2016-03-28</a:t>
+              <a:t>2016-05-02</a:t>
             </a:fld>
             <a:endParaRPr lang="ko-KR" altLang="en-US"/>
           </a:p>
@@ -1722,7 +1727,7 @@
           <a:p>
             <a:fld id="{19972EF6-949D-4D0A-9035-D2BA9CAC352F}" type="datetimeFigureOut">
               <a:rPr lang="ko-KR" altLang="en-US" smtClean="0"/>
-              <a:t>2016-03-28</a:t>
+              <a:t>2016-05-02</a:t>
             </a:fld>
             <a:endParaRPr lang="ko-KR" altLang="en-US"/>
           </a:p>
@@ -1817,7 +1822,7 @@
           <a:p>
             <a:fld id="{19972EF6-949D-4D0A-9035-D2BA9CAC352F}" type="datetimeFigureOut">
               <a:rPr lang="ko-KR" altLang="en-US" smtClean="0"/>
-              <a:t>2016-03-28</a:t>
+              <a:t>2016-05-02</a:t>
             </a:fld>
             <a:endParaRPr lang="ko-KR" altLang="en-US"/>
           </a:p>
@@ -2094,7 +2099,7 @@
           <a:p>
             <a:fld id="{19972EF6-949D-4D0A-9035-D2BA9CAC352F}" type="datetimeFigureOut">
               <a:rPr lang="ko-KR" altLang="en-US" smtClean="0"/>
-              <a:t>2016-03-28</a:t>
+              <a:t>2016-05-02</a:t>
             </a:fld>
             <a:endParaRPr lang="ko-KR" altLang="en-US"/>
           </a:p>
@@ -2347,7 +2352,7 @@
           <a:p>
             <a:fld id="{19972EF6-949D-4D0A-9035-D2BA9CAC352F}" type="datetimeFigureOut">
               <a:rPr lang="ko-KR" altLang="en-US" smtClean="0"/>
-              <a:t>2016-03-28</a:t>
+              <a:t>2016-05-02</a:t>
             </a:fld>
             <a:endParaRPr lang="ko-KR" altLang="en-US"/>
           </a:p>
@@ -2560,7 +2565,7 @@
           <a:p>
             <a:fld id="{19972EF6-949D-4D0A-9035-D2BA9CAC352F}" type="datetimeFigureOut">
               <a:rPr lang="ko-KR" altLang="en-US" smtClean="0"/>
-              <a:t>2016-03-28</a:t>
+              <a:t>2016-05-02</a:t>
             </a:fld>
             <a:endParaRPr lang="ko-KR" altLang="en-US"/>
           </a:p>
@@ -4089,6 +4094,36 @@
           <a:chExt cx="0" cy="0"/>
         </a:xfrm>
       </p:grpSpPr>
+      <p:pic>
+        <p:nvPicPr>
+          <p:cNvPr id="2" name="그림 1"/>
+          <p:cNvPicPr>
+            <a:picLocks noChangeAspect="1"/>
+          </p:cNvPicPr>
+          <p:nvPr/>
+        </p:nvPicPr>
+        <p:blipFill>
+          <a:blip r:embed="rId2">
+            <a:extLst>
+              <a:ext uri="{28A0092B-C50C-407E-A947-70E740481C1C}">
+                <a14:useLocalDpi xmlns:a14="http://schemas.microsoft.com/office/drawing/2010/main" val="0"/>
+              </a:ext>
+            </a:extLst>
+          </a:blip>
+          <a:stretch>
+            <a:fillRect/>
+          </a:stretch>
+        </p:blipFill>
+        <p:spPr>
+          <a:xfrm>
+            <a:off x="867929" y="1488082"/>
+            <a:ext cx="2094212" cy="3315163"/>
+          </a:xfrm>
+          <a:prstGeom prst="rect">
+            <a:avLst/>
+          </a:prstGeom>
+        </p:spPr>
+      </p:pic>
       <p:sp>
         <p:nvSpPr>
           <p:cNvPr id="3" name="직사각형 2"/>
@@ -4097,155 +4132,8 @@
         </p:nvSpPr>
         <p:spPr>
           <a:xfrm>
-            <a:off x="5213796" y="1275009"/>
-            <a:ext cx="2112135" cy="3058899"/>
-          </a:xfrm>
-          <a:prstGeom prst="rect">
-            <a:avLst/>
-          </a:prstGeom>
-          <a:solidFill>
-            <a:schemeClr val="bg2">
-              <a:lumMod val="90000"/>
-            </a:schemeClr>
-          </a:solidFill>
-          <a:ln>
-            <a:noFill/>
-          </a:ln>
-        </p:spPr>
-        <p:style>
-          <a:lnRef idx="2">
-            <a:schemeClr val="accent1">
-              <a:shade val="50000"/>
-            </a:schemeClr>
-          </a:lnRef>
-          <a:fillRef idx="1">
-            <a:schemeClr val="accent1"/>
-          </a:fillRef>
-          <a:effectRef idx="0">
-            <a:schemeClr val="accent1"/>
-          </a:effectRef>
-          <a:fontRef idx="minor">
-            <a:schemeClr val="lt1"/>
-          </a:fontRef>
-        </p:style>
-        <p:txBody>
-          <a:bodyPr rtlCol="0" anchor="ctr"/>
-          <a:lstStyle/>
-          <a:p>
-            <a:endParaRPr lang="en-US" altLang="ko-KR" dirty="0" smtClean="0"/>
-          </a:p>
-        </p:txBody>
-      </p:sp>
-      <p:sp>
-        <p:nvSpPr>
-          <p:cNvPr id="4" name="직사각형 3"/>
-          <p:cNvSpPr/>
-          <p:nvPr/>
-        </p:nvSpPr>
-        <p:spPr>
-          <a:xfrm>
-            <a:off x="5342584" y="2356835"/>
-            <a:ext cx="1854557" cy="1751527"/>
-          </a:xfrm>
-          <a:prstGeom prst="rect">
-            <a:avLst/>
-          </a:prstGeom>
-          <a:solidFill>
-            <a:schemeClr val="accent6">
-              <a:lumMod val="75000"/>
-            </a:schemeClr>
-          </a:solidFill>
-          <a:ln>
-            <a:noFill/>
-          </a:ln>
-        </p:spPr>
-        <p:style>
-          <a:lnRef idx="2">
-            <a:schemeClr val="accent1">
-              <a:shade val="50000"/>
-            </a:schemeClr>
-          </a:lnRef>
-          <a:fillRef idx="1">
-            <a:schemeClr val="accent1"/>
-          </a:fillRef>
-          <a:effectRef idx="0">
-            <a:schemeClr val="accent1"/>
-          </a:effectRef>
-          <a:fontRef idx="minor">
-            <a:schemeClr val="lt1"/>
-          </a:fontRef>
-        </p:style>
-        <p:txBody>
-          <a:bodyPr rtlCol="0" anchor="ctr"/>
-          <a:lstStyle/>
-          <a:p>
-            <a:pPr algn="ctr"/>
-            <a:endParaRPr lang="ko-KR" altLang="en-US"/>
-          </a:p>
-        </p:txBody>
-      </p:sp>
-      <p:sp>
-        <p:nvSpPr>
-          <p:cNvPr id="5" name="직사각형 4"/>
-          <p:cNvSpPr/>
-          <p:nvPr/>
-        </p:nvSpPr>
-        <p:spPr>
-          <a:xfrm rot="10800000" flipV="1">
-            <a:off x="5342584" y="1742118"/>
-            <a:ext cx="1854557" cy="501944"/>
-          </a:xfrm>
-          <a:prstGeom prst="rect">
-            <a:avLst/>
-          </a:prstGeom>
-          <a:solidFill>
-            <a:schemeClr val="accent5">
-              <a:lumMod val="75000"/>
-            </a:schemeClr>
-          </a:solidFill>
-          <a:ln>
-            <a:noFill/>
-          </a:ln>
-        </p:spPr>
-        <p:style>
-          <a:lnRef idx="2">
-            <a:schemeClr val="accent1">
-              <a:shade val="50000"/>
-            </a:schemeClr>
-          </a:lnRef>
-          <a:fillRef idx="1">
-            <a:schemeClr val="accent1"/>
-          </a:fillRef>
-          <a:effectRef idx="0">
-            <a:schemeClr val="accent1"/>
-          </a:effectRef>
-          <a:fontRef idx="minor">
-            <a:schemeClr val="lt1"/>
-          </a:fontRef>
-        </p:style>
-        <p:txBody>
-          <a:bodyPr rtlCol="0" anchor="ctr"/>
-          <a:lstStyle/>
-          <a:p>
-            <a:pPr algn="ctr"/>
-            <a:r>
-              <a:rPr lang="en-US" altLang="ko-KR" dirty="0" smtClean="0"/>
-              <a:t>Bluetooth</a:t>
-            </a:r>
-            <a:endParaRPr lang="ko-KR" altLang="en-US" dirty="0"/>
-          </a:p>
-        </p:txBody>
-      </p:sp>
-      <p:sp>
-        <p:nvSpPr>
-          <p:cNvPr id="8" name="직사각형 7"/>
-          <p:cNvSpPr/>
-          <p:nvPr/>
-        </p:nvSpPr>
-        <p:spPr>
-          <a:xfrm>
-            <a:off x="5510008" y="2472745"/>
-            <a:ext cx="1519707" cy="334850"/>
+            <a:off x="1253544" y="2234347"/>
+            <a:ext cx="1360868" cy="349878"/>
           </a:xfrm>
           <a:prstGeom prst="rect">
             <a:avLst/>
@@ -4282,23 +4170,31 @@
           <a:p>
             <a:pPr algn="ctr"/>
             <a:r>
-              <a:rPr lang="ko-KR" altLang="en-US" sz="1600" dirty="0" smtClean="0"/>
-              <a:t>음악파일</a:t>
-            </a:r>
-            <a:endParaRPr lang="ko-KR" altLang="en-US" sz="1600" dirty="0"/>
-          </a:p>
-        </p:txBody>
-      </p:sp>
-      <p:sp>
-        <p:nvSpPr>
-          <p:cNvPr id="9" name="직사각형 8"/>
+              <a:rPr lang="en-US" altLang="ko-KR" dirty="0" smtClean="0">
+                <a:solidFill>
+                  <a:sysClr val="windowText" lastClr="000000"/>
+                </a:solidFill>
+              </a:rPr>
+              <a:t>connecting</a:t>
+            </a:r>
+            <a:endParaRPr lang="ko-KR" altLang="en-US" dirty="0">
+              <a:solidFill>
+                <a:sysClr val="windowText" lastClr="000000"/>
+              </a:solidFill>
+            </a:endParaRPr>
+          </a:p>
+        </p:txBody>
+      </p:sp>
+      <p:sp>
+        <p:nvSpPr>
+          <p:cNvPr id="4" name="직사각형 3"/>
           <p:cNvSpPr/>
           <p:nvPr/>
         </p:nvSpPr>
         <p:spPr>
           <a:xfrm>
-            <a:off x="5510007" y="3065173"/>
-            <a:ext cx="1519707" cy="334850"/>
+            <a:off x="1253544" y="2970724"/>
+            <a:ext cx="1360868" cy="349878"/>
           </a:xfrm>
           <a:prstGeom prst="rect">
             <a:avLst/>
@@ -4335,27 +4231,31 @@
           <a:p>
             <a:pPr algn="ctr"/>
             <a:r>
-              <a:rPr lang="en-US" altLang="ko-KR" sz="1600" dirty="0" smtClean="0"/>
-              <a:t>FFT</a:t>
-            </a:r>
-            <a:r>
-              <a:rPr lang="ko-KR" altLang="en-US" sz="1600" dirty="0" smtClean="0"/>
-              <a:t>변환</a:t>
-            </a:r>
-            <a:endParaRPr lang="ko-KR" altLang="en-US" sz="1600" dirty="0"/>
-          </a:p>
-        </p:txBody>
-      </p:sp>
-      <p:sp>
-        <p:nvSpPr>
-          <p:cNvPr id="10" name="직사각형 9"/>
+              <a:rPr lang="ko-KR" altLang="en-US" dirty="0" smtClean="0">
+                <a:solidFill>
+                  <a:sysClr val="windowText" lastClr="000000"/>
+                </a:solidFill>
+              </a:rPr>
+              <a:t>노래 찾기</a:t>
+            </a:r>
+            <a:endParaRPr lang="ko-KR" altLang="en-US" dirty="0">
+              <a:solidFill>
+                <a:sysClr val="windowText" lastClr="000000"/>
+              </a:solidFill>
+            </a:endParaRPr>
+          </a:p>
+        </p:txBody>
+      </p:sp>
+      <p:sp>
+        <p:nvSpPr>
+          <p:cNvPr id="5" name="직사각형 4"/>
           <p:cNvSpPr/>
           <p:nvPr/>
         </p:nvSpPr>
         <p:spPr>
           <a:xfrm>
-            <a:off x="5510006" y="3657601"/>
-            <a:ext cx="1519707" cy="334850"/>
+            <a:off x="1234601" y="3704953"/>
+            <a:ext cx="1360868" cy="349878"/>
           </a:xfrm>
           <a:prstGeom prst="rect">
             <a:avLst/>
@@ -4392,616 +4292,39 @@
           <a:p>
             <a:pPr algn="ctr"/>
             <a:r>
-              <a:rPr lang="ko-KR" altLang="en-US" sz="1600" dirty="0" smtClean="0"/>
-              <a:t>변환파일</a:t>
-            </a:r>
-            <a:endParaRPr lang="ko-KR" altLang="en-US" sz="1600" dirty="0"/>
-          </a:p>
-        </p:txBody>
-      </p:sp>
-      <p:cxnSp>
-        <p:nvCxnSpPr>
-          <p:cNvPr id="12" name="직선 화살표 연결선 11"/>
-          <p:cNvCxnSpPr/>
-          <p:nvPr/>
-        </p:nvCxnSpPr>
-        <p:spPr>
-          <a:xfrm flipH="1">
-            <a:off x="6269859" y="2791579"/>
-            <a:ext cx="1" cy="257578"/>
-          </a:xfrm>
-          <a:prstGeom prst="straightConnector1">
-            <a:avLst/>
-          </a:prstGeom>
-          <a:ln w="38100">
-            <a:tailEnd type="triangle"/>
-          </a:ln>
-        </p:spPr>
-        <p:style>
-          <a:lnRef idx="3">
-            <a:schemeClr val="dk1"/>
-          </a:lnRef>
-          <a:fillRef idx="0">
-            <a:schemeClr val="dk1"/>
-          </a:fillRef>
-          <a:effectRef idx="2">
-            <a:schemeClr val="dk1"/>
-          </a:effectRef>
-          <a:fontRef idx="minor">
-            <a:schemeClr val="tx1"/>
-          </a:fontRef>
-        </p:style>
-      </p:cxnSp>
-      <p:cxnSp>
-        <p:nvCxnSpPr>
-          <p:cNvPr id="13" name="직선 화살표 연결선 12"/>
-          <p:cNvCxnSpPr/>
-          <p:nvPr/>
-        </p:nvCxnSpPr>
-        <p:spPr>
-          <a:xfrm flipH="1">
-            <a:off x="6254827" y="3400023"/>
-            <a:ext cx="1" cy="257578"/>
-          </a:xfrm>
-          <a:prstGeom prst="straightConnector1">
-            <a:avLst/>
-          </a:prstGeom>
-          <a:ln w="38100">
-            <a:tailEnd type="triangle"/>
-          </a:ln>
-        </p:spPr>
-        <p:style>
-          <a:lnRef idx="3">
-            <a:schemeClr val="dk1"/>
-          </a:lnRef>
-          <a:fillRef idx="0">
-            <a:schemeClr val="dk1"/>
-          </a:fillRef>
-          <a:effectRef idx="2">
-            <a:schemeClr val="dk1"/>
-          </a:effectRef>
-          <a:fontRef idx="minor">
-            <a:schemeClr val="tx1"/>
-          </a:fontRef>
-        </p:style>
-      </p:cxnSp>
-      <p:cxnSp>
-        <p:nvCxnSpPr>
-          <p:cNvPr id="14" name="직선 화살표 연결선 13"/>
-          <p:cNvCxnSpPr>
-            <a:endCxn id="17" idx="2"/>
-          </p:cNvCxnSpPr>
-          <p:nvPr/>
-        </p:nvCxnSpPr>
-        <p:spPr>
-          <a:xfrm>
-            <a:off x="7029713" y="3825026"/>
-            <a:ext cx="1208461" cy="0"/>
-          </a:xfrm>
-          <a:prstGeom prst="straightConnector1">
-            <a:avLst/>
-          </a:prstGeom>
-          <a:ln w="38100">
-            <a:tailEnd type="triangle"/>
-          </a:ln>
-        </p:spPr>
-        <p:style>
-          <a:lnRef idx="3">
-            <a:schemeClr val="dk1"/>
-          </a:lnRef>
-          <a:fillRef idx="0">
-            <a:schemeClr val="dk1"/>
-          </a:fillRef>
-          <a:effectRef idx="2">
-            <a:schemeClr val="dk1"/>
-          </a:effectRef>
-          <a:fontRef idx="minor">
-            <a:schemeClr val="tx1"/>
-          </a:fontRef>
-        </p:style>
-      </p:cxnSp>
-      <p:sp>
-        <p:nvSpPr>
-          <p:cNvPr id="17" name="원통 16"/>
-          <p:cNvSpPr/>
-          <p:nvPr/>
-        </p:nvSpPr>
-        <p:spPr>
-          <a:xfrm>
-            <a:off x="8238174" y="3383841"/>
-            <a:ext cx="850008" cy="882370"/>
-          </a:xfrm>
-          <a:prstGeom prst="can">
-            <a:avLst/>
-          </a:prstGeom>
-          <a:noFill/>
-          <a:ln>
-            <a:solidFill>
-              <a:schemeClr val="tx1"/>
-            </a:solidFill>
-          </a:ln>
-        </p:spPr>
-        <p:style>
-          <a:lnRef idx="2">
-            <a:schemeClr val="accent1">
-              <a:shade val="50000"/>
-            </a:schemeClr>
-          </a:lnRef>
-          <a:fillRef idx="1">
-            <a:schemeClr val="accent1"/>
-          </a:fillRef>
-          <a:effectRef idx="0">
-            <a:schemeClr val="accent1"/>
-          </a:effectRef>
-          <a:fontRef idx="minor">
-            <a:schemeClr val="lt1"/>
-          </a:fontRef>
-        </p:style>
-        <p:txBody>
-          <a:bodyPr rtlCol="0" anchor="ctr"/>
-          <a:lstStyle/>
-          <a:p>
-            <a:pPr algn="ctr"/>
-            <a:r>
               <a:rPr lang="en-US" altLang="ko-KR" dirty="0" smtClean="0">
                 <a:solidFill>
-                  <a:schemeClr val="tx1"/>
+                  <a:sysClr val="windowText" lastClr="000000"/>
                 </a:solidFill>
               </a:rPr>
-              <a:t>DB</a:t>
+              <a:t>FFT </a:t>
+            </a:r>
+            <a:r>
+              <a:rPr lang="ko-KR" altLang="en-US" dirty="0" smtClean="0">
+                <a:solidFill>
+                  <a:sysClr val="windowText" lastClr="000000"/>
+                </a:solidFill>
+              </a:rPr>
+              <a:t>저장소</a:t>
             </a:r>
             <a:endParaRPr lang="ko-KR" altLang="en-US" dirty="0">
               <a:solidFill>
-                <a:schemeClr val="tx1"/>
+                <a:sysClr val="windowText" lastClr="000000"/>
               </a:solidFill>
             </a:endParaRPr>
-          </a:p>
-        </p:txBody>
-      </p:sp>
-      <p:sp>
-        <p:nvSpPr>
-          <p:cNvPr id="19" name="TextBox 18"/>
-          <p:cNvSpPr txBox="1"/>
-          <p:nvPr/>
-        </p:nvSpPr>
-        <p:spPr>
-          <a:xfrm>
-            <a:off x="7325929" y="3846752"/>
-            <a:ext cx="912243" cy="523220"/>
-          </a:xfrm>
-          <a:prstGeom prst="rect">
-            <a:avLst/>
-          </a:prstGeom>
-          <a:noFill/>
-        </p:spPr>
-        <p:txBody>
-          <a:bodyPr wrap="square" rtlCol="0">
-            <a:spAutoFit/>
-          </a:bodyPr>
-          <a:lstStyle/>
-          <a:p>
-            <a:r>
-              <a:rPr lang="ko-KR" altLang="en-US" sz="1400" dirty="0" smtClean="0"/>
-              <a:t>변환파일 </a:t>
-            </a:r>
-            <a:endParaRPr lang="en-US" altLang="ko-KR" sz="1400" dirty="0" smtClean="0"/>
-          </a:p>
-          <a:p>
-            <a:r>
-              <a:rPr lang="en-US" altLang="ko-KR" sz="1400" dirty="0" smtClean="0"/>
-              <a:t>DB</a:t>
-            </a:r>
-            <a:r>
-              <a:rPr lang="ko-KR" altLang="en-US" sz="1400" dirty="0" smtClean="0"/>
-              <a:t>저장</a:t>
-            </a:r>
-            <a:endParaRPr lang="ko-KR" altLang="en-US" sz="1400" dirty="0"/>
-          </a:p>
-        </p:txBody>
-      </p:sp>
-      <p:sp>
-        <p:nvSpPr>
-          <p:cNvPr id="20" name="TextBox 19"/>
-          <p:cNvSpPr txBox="1"/>
-          <p:nvPr/>
-        </p:nvSpPr>
-        <p:spPr>
-          <a:xfrm>
-            <a:off x="5696201" y="1325631"/>
-            <a:ext cx="1117251" cy="369332"/>
-          </a:xfrm>
-          <a:prstGeom prst="rect">
-            <a:avLst/>
-          </a:prstGeom>
-          <a:noFill/>
-        </p:spPr>
-        <p:txBody>
-          <a:bodyPr wrap="square" rtlCol="0">
-            <a:spAutoFit/>
-          </a:bodyPr>
-          <a:lstStyle/>
-          <a:p>
-            <a:r>
-              <a:rPr lang="ko-KR" altLang="en-US" b="1" dirty="0" err="1" smtClean="0"/>
-              <a:t>스마트폰</a:t>
-            </a:r>
-            <a:endParaRPr lang="ko-KR" altLang="en-US" b="1" dirty="0"/>
-          </a:p>
-        </p:txBody>
-      </p:sp>
-      <p:sp>
-        <p:nvSpPr>
-          <p:cNvPr id="21" name="직사각형 20"/>
-          <p:cNvSpPr/>
-          <p:nvPr/>
-        </p:nvSpPr>
-        <p:spPr>
-          <a:xfrm>
-            <a:off x="1383406" y="1275009"/>
-            <a:ext cx="2112135" cy="1352281"/>
-          </a:xfrm>
-          <a:prstGeom prst="rect">
-            <a:avLst/>
-          </a:prstGeom>
-          <a:solidFill>
-            <a:schemeClr val="bg2">
-              <a:lumMod val="90000"/>
-            </a:schemeClr>
-          </a:solidFill>
-          <a:ln>
-            <a:noFill/>
-          </a:ln>
-        </p:spPr>
-        <p:style>
-          <a:lnRef idx="2">
-            <a:schemeClr val="accent1">
-              <a:shade val="50000"/>
-            </a:schemeClr>
-          </a:lnRef>
-          <a:fillRef idx="1">
-            <a:schemeClr val="accent1"/>
-          </a:fillRef>
-          <a:effectRef idx="0">
-            <a:schemeClr val="accent1"/>
-          </a:effectRef>
-          <a:fontRef idx="minor">
-            <a:schemeClr val="lt1"/>
-          </a:fontRef>
-        </p:style>
-        <p:txBody>
-          <a:bodyPr rtlCol="0" anchor="ctr"/>
-          <a:lstStyle/>
-          <a:p>
-            <a:endParaRPr lang="en-US" altLang="ko-KR" dirty="0" smtClean="0"/>
-          </a:p>
-        </p:txBody>
-      </p:sp>
-      <p:sp>
-        <p:nvSpPr>
-          <p:cNvPr id="22" name="TextBox 21"/>
-          <p:cNvSpPr txBox="1"/>
-          <p:nvPr/>
-        </p:nvSpPr>
-        <p:spPr>
-          <a:xfrm>
-            <a:off x="1880847" y="1325630"/>
-            <a:ext cx="1117251" cy="369332"/>
-          </a:xfrm>
-          <a:prstGeom prst="rect">
-            <a:avLst/>
-          </a:prstGeom>
-          <a:noFill/>
-        </p:spPr>
-        <p:txBody>
-          <a:bodyPr wrap="square" rtlCol="0">
-            <a:spAutoFit/>
-          </a:bodyPr>
-          <a:lstStyle/>
-          <a:p>
-            <a:r>
-              <a:rPr lang="ko-KR" altLang="en-US" b="1" dirty="0" err="1" smtClean="0"/>
-              <a:t>아두이노</a:t>
-            </a:r>
-            <a:endParaRPr lang="ko-KR" altLang="en-US" b="1" dirty="0"/>
-          </a:p>
-        </p:txBody>
-      </p:sp>
-      <p:sp>
-        <p:nvSpPr>
-          <p:cNvPr id="24" name="직사각형 23"/>
-          <p:cNvSpPr/>
-          <p:nvPr/>
-        </p:nvSpPr>
-        <p:spPr>
-          <a:xfrm rot="10800000" flipV="1">
-            <a:off x="1512193" y="1854890"/>
-            <a:ext cx="1854557" cy="501944"/>
-          </a:xfrm>
-          <a:prstGeom prst="rect">
-            <a:avLst/>
-          </a:prstGeom>
-          <a:solidFill>
-            <a:schemeClr val="accent5">
-              <a:lumMod val="75000"/>
-            </a:schemeClr>
-          </a:solidFill>
-          <a:ln>
-            <a:noFill/>
-          </a:ln>
-        </p:spPr>
-        <p:style>
-          <a:lnRef idx="2">
-            <a:schemeClr val="accent1">
-              <a:shade val="50000"/>
-            </a:schemeClr>
-          </a:lnRef>
-          <a:fillRef idx="1">
-            <a:schemeClr val="accent1"/>
-          </a:fillRef>
-          <a:effectRef idx="0">
-            <a:schemeClr val="accent1"/>
-          </a:effectRef>
-          <a:fontRef idx="minor">
-            <a:schemeClr val="lt1"/>
-          </a:fontRef>
-        </p:style>
-        <p:txBody>
-          <a:bodyPr rtlCol="0" anchor="ctr"/>
-          <a:lstStyle/>
-          <a:p>
-            <a:pPr algn="ctr"/>
-            <a:r>
-              <a:rPr lang="en-US" altLang="ko-KR" dirty="0" smtClean="0"/>
-              <a:t>Bluetooth</a:t>
-            </a:r>
-            <a:endParaRPr lang="ko-KR" altLang="en-US" dirty="0"/>
-          </a:p>
-        </p:txBody>
-      </p:sp>
-      <p:sp>
-        <p:nvSpPr>
-          <p:cNvPr id="25" name="실행 단추: 소리 24">
-            <a:hlinkClick r:id="" action="ppaction://noaction" highlightClick="1">
-              <a:snd r:embed="rId2" name="applause.wav"/>
-            </a:hlinkClick>
-          </p:cNvPr>
-          <p:cNvSpPr/>
-          <p:nvPr/>
-        </p:nvSpPr>
-        <p:spPr>
-          <a:xfrm>
-            <a:off x="6837868" y="1312931"/>
-            <a:ext cx="383689" cy="369332"/>
-          </a:xfrm>
-          <a:prstGeom prst="actionButtonSound">
-            <a:avLst/>
-          </a:prstGeom>
-          <a:solidFill>
-            <a:schemeClr val="bg1"/>
-          </a:solidFill>
-          <a:ln>
-            <a:solidFill>
-              <a:schemeClr val="tx1"/>
-            </a:solidFill>
-          </a:ln>
-        </p:spPr>
-        <p:style>
-          <a:lnRef idx="2">
-            <a:schemeClr val="dk1"/>
-          </a:lnRef>
-          <a:fillRef idx="1">
-            <a:schemeClr val="lt1"/>
-          </a:fillRef>
-          <a:effectRef idx="0">
-            <a:schemeClr val="dk1"/>
-          </a:effectRef>
-          <a:fontRef idx="minor">
-            <a:schemeClr val="dk1"/>
-          </a:fontRef>
-        </p:style>
-        <p:txBody>
-          <a:bodyPr rtlCol="0" anchor="ctr"/>
-          <a:lstStyle/>
-          <a:p>
-            <a:pPr algn="ctr"/>
-            <a:endParaRPr lang="ko-KR" altLang="en-US"/>
-          </a:p>
-        </p:txBody>
-      </p:sp>
-      <p:pic>
-        <p:nvPicPr>
-          <p:cNvPr id="26" name="그림 25"/>
-          <p:cNvPicPr>
-            <a:picLocks noChangeAspect="1"/>
-          </p:cNvPicPr>
-          <p:nvPr/>
-        </p:nvPicPr>
-        <p:blipFill>
-          <a:blip r:embed="rId3" cstate="print">
-            <a:extLst>
-              <a:ext uri="{28A0092B-C50C-407E-A947-70E740481C1C}">
-                <a14:useLocalDpi xmlns:a14="http://schemas.microsoft.com/office/drawing/2010/main" val="0"/>
-              </a:ext>
-            </a:extLst>
-          </a:blip>
-          <a:stretch>
-            <a:fillRect/>
-          </a:stretch>
-        </p:blipFill>
-        <p:spPr>
-          <a:xfrm>
-            <a:off x="1218090" y="3065172"/>
-            <a:ext cx="2437363" cy="1051739"/>
-          </a:xfrm>
-          <a:prstGeom prst="rect">
-            <a:avLst/>
-          </a:prstGeom>
-        </p:spPr>
-      </p:pic>
-      <p:cxnSp>
-        <p:nvCxnSpPr>
-          <p:cNvPr id="28" name="직선 화살표 연결선 27"/>
-          <p:cNvCxnSpPr>
-            <a:stCxn id="21" idx="2"/>
-            <a:endCxn id="26" idx="0"/>
-          </p:cNvCxnSpPr>
-          <p:nvPr/>
-        </p:nvCxnSpPr>
-        <p:spPr>
-          <a:xfrm flipH="1">
-            <a:off x="2436772" y="2627290"/>
-            <a:ext cx="2702" cy="437882"/>
-          </a:xfrm>
-          <a:prstGeom prst="straightConnector1">
-            <a:avLst/>
-          </a:prstGeom>
-          <a:ln w="38100">
-            <a:tailEnd type="triangle"/>
-          </a:ln>
-        </p:spPr>
-        <p:style>
-          <a:lnRef idx="3">
-            <a:schemeClr val="dk1"/>
-          </a:lnRef>
-          <a:fillRef idx="0">
-            <a:schemeClr val="dk1"/>
-          </a:fillRef>
-          <a:effectRef idx="2">
-            <a:schemeClr val="dk1"/>
-          </a:effectRef>
-          <a:fontRef idx="minor">
-            <a:schemeClr val="tx1"/>
-          </a:fontRef>
-        </p:style>
-      </p:cxnSp>
-      <p:cxnSp>
-        <p:nvCxnSpPr>
-          <p:cNvPr id="35" name="직선 화살표 연결선 34"/>
-          <p:cNvCxnSpPr/>
-          <p:nvPr/>
-        </p:nvCxnSpPr>
-        <p:spPr>
-          <a:xfrm flipH="1" flipV="1">
-            <a:off x="2992633" y="1497597"/>
-            <a:ext cx="2599194" cy="24166"/>
-          </a:xfrm>
-          <a:prstGeom prst="straightConnector1">
-            <a:avLst/>
-          </a:prstGeom>
-          <a:ln w="38100">
-            <a:tailEnd type="triangle"/>
-          </a:ln>
-        </p:spPr>
-        <p:style>
-          <a:lnRef idx="3">
-            <a:schemeClr val="dk1"/>
-          </a:lnRef>
-          <a:fillRef idx="0">
-            <a:schemeClr val="dk1"/>
-          </a:fillRef>
-          <a:effectRef idx="2">
-            <a:schemeClr val="dk1"/>
-          </a:effectRef>
-          <a:fontRef idx="minor">
-            <a:schemeClr val="tx1"/>
-          </a:fontRef>
-        </p:style>
-      </p:cxnSp>
-      <p:sp>
-        <p:nvSpPr>
-          <p:cNvPr id="29" name="번개 28"/>
-          <p:cNvSpPr/>
-          <p:nvPr/>
-        </p:nvSpPr>
-        <p:spPr>
-          <a:xfrm rot="21224430" flipH="1">
-            <a:off x="4227259" y="1197462"/>
-            <a:ext cx="363270" cy="600271"/>
-          </a:xfrm>
-          <a:prstGeom prst="lightningBolt">
-            <a:avLst/>
-          </a:prstGeom>
-          <a:solidFill>
-            <a:srgbClr val="FFFF00"/>
-          </a:solidFill>
-          <a:ln>
-            <a:solidFill>
-              <a:schemeClr val="tx1"/>
-            </a:solidFill>
-          </a:ln>
-        </p:spPr>
-        <p:style>
-          <a:lnRef idx="2">
-            <a:schemeClr val="accent1">
-              <a:shade val="50000"/>
-            </a:schemeClr>
-          </a:lnRef>
-          <a:fillRef idx="1">
-            <a:schemeClr val="accent1"/>
-          </a:fillRef>
-          <a:effectRef idx="0">
-            <a:schemeClr val="accent1"/>
-          </a:effectRef>
-          <a:fontRef idx="minor">
-            <a:schemeClr val="lt1"/>
-          </a:fontRef>
-        </p:style>
-        <p:txBody>
-          <a:bodyPr rtlCol="0" anchor="ctr"/>
-          <a:lstStyle/>
-          <a:p>
-            <a:pPr algn="ctr"/>
-            <a:endParaRPr lang="ko-KR" altLang="en-US"/>
-          </a:p>
-        </p:txBody>
-      </p:sp>
-      <p:sp>
-        <p:nvSpPr>
-          <p:cNvPr id="45" name="TextBox 44"/>
-          <p:cNvSpPr txBox="1"/>
-          <p:nvPr/>
-        </p:nvSpPr>
-        <p:spPr>
-          <a:xfrm>
-            <a:off x="3687652" y="1736530"/>
-            <a:ext cx="1366232" cy="369332"/>
-          </a:xfrm>
-          <a:prstGeom prst="rect">
-            <a:avLst/>
-          </a:prstGeom>
-          <a:noFill/>
-        </p:spPr>
-        <p:txBody>
-          <a:bodyPr wrap="square" rtlCol="0">
-            <a:spAutoFit/>
-          </a:bodyPr>
-          <a:lstStyle/>
-          <a:p>
-            <a:r>
-              <a:rPr lang="en-US" altLang="ko-KR" dirty="0" smtClean="0"/>
-              <a:t>connecting</a:t>
-            </a:r>
-            <a:endParaRPr lang="ko-KR" altLang="en-US" dirty="0"/>
           </a:p>
         </p:txBody>
       </p:sp>
     </p:spTree>
     <p:extLst>
       <p:ext uri="{BB962C8B-B14F-4D97-AF65-F5344CB8AC3E}">
-        <p14:creationId xmlns:p14="http://schemas.microsoft.com/office/powerpoint/2010/main" val="128952772"/>
+        <p14:creationId xmlns:p14="http://schemas.microsoft.com/office/powerpoint/2010/main" val="2389064250"/>
       </p:ext>
     </p:extLst>
   </p:cSld>
   <p:clrMapOvr>
     <a:masterClrMapping/>
   </p:clrMapOvr>
-  <p:timing>
-    <p:tnLst>
-      <p:par>
-        <p:cTn id="1" dur="indefinite" restart="never" nodeType="tmRoot"/>
-      </p:par>
-    </p:tnLst>
-  </p:timing>
 </p:sld>
 </file>
 

--- a/자료/수정용/흐름도수정용.ppt.pptx
+++ b/자료/수정용/흐름도수정용.ppt.pptx
@@ -4094,46 +4094,796 @@
           <a:chExt cx="0" cy="0"/>
         </a:xfrm>
       </p:grpSpPr>
-      <p:pic>
-        <p:nvPicPr>
-          <p:cNvPr id="2" name="그림 1"/>
-          <p:cNvPicPr>
-            <a:picLocks noChangeAspect="1"/>
-          </p:cNvPicPr>
+      <p:grpSp>
+        <p:nvGrpSpPr>
+          <p:cNvPr id="21" name="그룹 20"/>
+          <p:cNvGrpSpPr/>
           <p:nvPr/>
-        </p:nvPicPr>
-        <p:blipFill>
-          <a:blip r:embed="rId2">
-            <a:extLst>
-              <a:ext uri="{28A0092B-C50C-407E-A947-70E740481C1C}">
-                <a14:useLocalDpi xmlns:a14="http://schemas.microsoft.com/office/drawing/2010/main" val="0"/>
-              </a:ext>
-            </a:extLst>
-          </a:blip>
-          <a:stretch>
-            <a:fillRect/>
-          </a:stretch>
-        </p:blipFill>
+        </p:nvGrpSpPr>
+        <p:grpSpPr>
+          <a:xfrm>
+            <a:off x="2878771" y="1755954"/>
+            <a:ext cx="2094212" cy="3315163"/>
+            <a:chOff x="963179" y="1478557"/>
+            <a:chExt cx="2094212" cy="3315163"/>
+          </a:xfrm>
+        </p:grpSpPr>
+        <p:grpSp>
+          <p:nvGrpSpPr>
+            <p:cNvPr id="8" name="그룹 7"/>
+            <p:cNvGrpSpPr/>
+            <p:nvPr/>
+          </p:nvGrpSpPr>
+          <p:grpSpPr>
+            <a:xfrm>
+              <a:off x="963179" y="1478557"/>
+              <a:ext cx="2094212" cy="3315163"/>
+              <a:chOff x="867929" y="1488082"/>
+              <a:chExt cx="2094212" cy="3315163"/>
+            </a:xfrm>
+          </p:grpSpPr>
+          <p:pic>
+            <p:nvPicPr>
+              <p:cNvPr id="2" name="그림 1"/>
+              <p:cNvPicPr>
+                <a:picLocks noChangeAspect="1"/>
+              </p:cNvPicPr>
+              <p:nvPr/>
+            </p:nvPicPr>
+            <p:blipFill>
+              <a:blip r:embed="rId2">
+                <a:extLst>
+                  <a:ext uri="{28A0092B-C50C-407E-A947-70E740481C1C}">
+                    <a14:useLocalDpi xmlns:a14="http://schemas.microsoft.com/office/drawing/2010/main" val="0"/>
+                  </a:ext>
+                </a:extLst>
+              </a:blip>
+              <a:stretch>
+                <a:fillRect/>
+              </a:stretch>
+            </p:blipFill>
+            <p:spPr>
+              <a:xfrm>
+                <a:off x="867929" y="1488082"/>
+                <a:ext cx="2094212" cy="3315163"/>
+              </a:xfrm>
+              <a:prstGeom prst="rect">
+                <a:avLst/>
+              </a:prstGeom>
+            </p:spPr>
+          </p:pic>
+          <p:pic>
+            <p:nvPicPr>
+              <p:cNvPr id="6" name="그림 5"/>
+              <p:cNvPicPr>
+                <a:picLocks noChangeAspect="1"/>
+              </p:cNvPicPr>
+              <p:nvPr/>
+            </p:nvPicPr>
+            <p:blipFill>
+              <a:blip r:embed="rId3" cstate="print">
+                <a:extLst>
+                  <a:ext uri="{28A0092B-C50C-407E-A947-70E740481C1C}">
+                    <a14:useLocalDpi xmlns:a14="http://schemas.microsoft.com/office/drawing/2010/main" val="0"/>
+                  </a:ext>
+                </a:extLst>
+              </a:blip>
+              <a:stretch>
+                <a:fillRect/>
+              </a:stretch>
+            </p:blipFill>
+            <p:spPr>
+              <a:xfrm>
+                <a:off x="1223291" y="2061180"/>
+                <a:ext cx="234967" cy="277688"/>
+              </a:xfrm>
+              <a:prstGeom prst="rect">
+                <a:avLst/>
+              </a:prstGeom>
+            </p:spPr>
+          </p:pic>
+          <p:sp>
+            <p:nvSpPr>
+              <p:cNvPr id="7" name="TextBox 6"/>
+              <p:cNvSpPr txBox="1"/>
+              <p:nvPr/>
+            </p:nvSpPr>
+            <p:spPr>
+              <a:xfrm>
+                <a:off x="1416423" y="2061180"/>
+                <a:ext cx="1338729" cy="307777"/>
+              </a:xfrm>
+              <a:prstGeom prst="rect">
+                <a:avLst/>
+              </a:prstGeom>
+              <a:noFill/>
+            </p:spPr>
+            <p:txBody>
+              <a:bodyPr wrap="square" rtlCol="0">
+                <a:spAutoFit/>
+              </a:bodyPr>
+              <a:lstStyle/>
+              <a:p>
+                <a:r>
+                  <a:rPr lang="en-US" altLang="ko-KR" sz="1400" smtClean="0"/>
+                  <a:t>MusicLight</a:t>
+                </a:r>
+                <a:endParaRPr lang="ko-KR" altLang="en-US" sz="1400"/>
+              </a:p>
+            </p:txBody>
+          </p:sp>
+        </p:grpSp>
+        <p:sp>
+          <p:nvSpPr>
+            <p:cNvPr id="3" name="직사각형 2"/>
+            <p:cNvSpPr/>
+            <p:nvPr/>
+          </p:nvSpPr>
+          <p:spPr>
+            <a:xfrm>
+              <a:off x="1372789" y="2718974"/>
+              <a:ext cx="1338059" cy="253860"/>
+            </a:xfrm>
+            <a:prstGeom prst="rect">
+              <a:avLst/>
+            </a:prstGeom>
+            <a:solidFill>
+              <a:schemeClr val="accent2">
+                <a:lumMod val="60000"/>
+                <a:lumOff val="40000"/>
+              </a:schemeClr>
+            </a:solidFill>
+            <a:ln>
+              <a:noFill/>
+            </a:ln>
+          </p:spPr>
+          <p:style>
+            <a:lnRef idx="2">
+              <a:schemeClr val="accent1">
+                <a:shade val="50000"/>
+              </a:schemeClr>
+            </a:lnRef>
+            <a:fillRef idx="1">
+              <a:schemeClr val="accent1"/>
+            </a:fillRef>
+            <a:effectRef idx="0">
+              <a:schemeClr val="accent1"/>
+            </a:effectRef>
+            <a:fontRef idx="minor">
+              <a:schemeClr val="lt1"/>
+            </a:fontRef>
+          </p:style>
+          <p:txBody>
+            <a:bodyPr rtlCol="0" anchor="ctr"/>
+            <a:lstStyle/>
+            <a:p>
+              <a:pPr algn="ctr"/>
+              <a:r>
+                <a:rPr lang="en-US" altLang="ko-KR" smtClean="0">
+                  <a:solidFill>
+                    <a:sysClr val="windowText" lastClr="000000"/>
+                  </a:solidFill>
+                </a:rPr>
+                <a:t>connecting</a:t>
+              </a:r>
+              <a:endParaRPr lang="ko-KR" altLang="en-US" dirty="0">
+                <a:solidFill>
+                  <a:sysClr val="windowText" lastClr="000000"/>
+                </a:solidFill>
+              </a:endParaRPr>
+            </a:p>
+          </p:txBody>
+        </p:sp>
+        <p:sp>
+          <p:nvSpPr>
+            <p:cNvPr id="4" name="직사각형 3"/>
+            <p:cNvSpPr/>
+            <p:nvPr/>
+          </p:nvSpPr>
+          <p:spPr>
+            <a:xfrm>
+              <a:off x="1372789" y="3235535"/>
+              <a:ext cx="1338059" cy="253860"/>
+            </a:xfrm>
+            <a:prstGeom prst="rect">
+              <a:avLst/>
+            </a:prstGeom>
+            <a:solidFill>
+              <a:schemeClr val="accent2">
+                <a:lumMod val="60000"/>
+                <a:lumOff val="40000"/>
+              </a:schemeClr>
+            </a:solidFill>
+            <a:ln>
+              <a:noFill/>
+            </a:ln>
+          </p:spPr>
+          <p:style>
+            <a:lnRef idx="2">
+              <a:schemeClr val="accent1">
+                <a:shade val="50000"/>
+              </a:schemeClr>
+            </a:lnRef>
+            <a:fillRef idx="1">
+              <a:schemeClr val="accent1"/>
+            </a:fillRef>
+            <a:effectRef idx="0">
+              <a:schemeClr val="accent1"/>
+            </a:effectRef>
+            <a:fontRef idx="minor">
+              <a:schemeClr val="lt1"/>
+            </a:fontRef>
+          </p:style>
+          <p:txBody>
+            <a:bodyPr rtlCol="0" anchor="ctr"/>
+            <a:lstStyle/>
+            <a:p>
+              <a:pPr algn="ctr"/>
+              <a:r>
+                <a:rPr lang="en-US" altLang="ko-KR" smtClean="0">
+                  <a:solidFill>
+                    <a:sysClr val="windowText" lastClr="000000"/>
+                  </a:solidFill>
+                </a:rPr>
+                <a:t>FFT </a:t>
+              </a:r>
+              <a:r>
+                <a:rPr lang="ko-KR" altLang="en-US" smtClean="0">
+                  <a:solidFill>
+                    <a:sysClr val="windowText" lastClr="000000"/>
+                  </a:solidFill>
+                </a:rPr>
+                <a:t>변환</a:t>
+              </a:r>
+              <a:endParaRPr lang="ko-KR" altLang="en-US" dirty="0">
+                <a:solidFill>
+                  <a:sysClr val="windowText" lastClr="000000"/>
+                </a:solidFill>
+              </a:endParaRPr>
+            </a:p>
+          </p:txBody>
+        </p:sp>
+      </p:grpSp>
+      <p:grpSp>
+        <p:nvGrpSpPr>
+          <p:cNvPr id="9" name="그룹 8"/>
+          <p:cNvGrpSpPr/>
+          <p:nvPr/>
+        </p:nvGrpSpPr>
+        <p:grpSpPr>
+          <a:xfrm>
+            <a:off x="5078584" y="1755953"/>
+            <a:ext cx="2094212" cy="3315163"/>
+            <a:chOff x="867929" y="1488082"/>
+            <a:chExt cx="2094212" cy="3315163"/>
+          </a:xfrm>
+        </p:grpSpPr>
+        <p:pic>
+          <p:nvPicPr>
+            <p:cNvPr id="10" name="그림 9"/>
+            <p:cNvPicPr>
+              <a:picLocks noChangeAspect="1"/>
+            </p:cNvPicPr>
+            <p:nvPr/>
+          </p:nvPicPr>
+          <p:blipFill>
+            <a:blip r:embed="rId2">
+              <a:extLst>
+                <a:ext uri="{28A0092B-C50C-407E-A947-70E740481C1C}">
+                  <a14:useLocalDpi xmlns:a14="http://schemas.microsoft.com/office/drawing/2010/main" val="0"/>
+                </a:ext>
+              </a:extLst>
+            </a:blip>
+            <a:stretch>
+              <a:fillRect/>
+            </a:stretch>
+          </p:blipFill>
+          <p:spPr>
+            <a:xfrm>
+              <a:off x="867929" y="1488082"/>
+              <a:ext cx="2094212" cy="3315163"/>
+            </a:xfrm>
+            <a:prstGeom prst="rect">
+              <a:avLst/>
+            </a:prstGeom>
+          </p:spPr>
+        </p:pic>
+        <p:pic>
+          <p:nvPicPr>
+            <p:cNvPr id="11" name="그림 10"/>
+            <p:cNvPicPr>
+              <a:picLocks noChangeAspect="1"/>
+            </p:cNvPicPr>
+            <p:nvPr/>
+          </p:nvPicPr>
+          <p:blipFill>
+            <a:blip r:embed="rId3" cstate="print">
+              <a:extLst>
+                <a:ext uri="{28A0092B-C50C-407E-A947-70E740481C1C}">
+                  <a14:useLocalDpi xmlns:a14="http://schemas.microsoft.com/office/drawing/2010/main" val="0"/>
+                </a:ext>
+              </a:extLst>
+            </a:blip>
+            <a:stretch>
+              <a:fillRect/>
+            </a:stretch>
+          </p:blipFill>
+          <p:spPr>
+            <a:xfrm>
+              <a:off x="1223291" y="2061180"/>
+              <a:ext cx="234967" cy="277688"/>
+            </a:xfrm>
+            <a:prstGeom prst="rect">
+              <a:avLst/>
+            </a:prstGeom>
+          </p:spPr>
+        </p:pic>
+        <p:sp>
+          <p:nvSpPr>
+            <p:cNvPr id="12" name="TextBox 11"/>
+            <p:cNvSpPr txBox="1"/>
+            <p:nvPr/>
+          </p:nvSpPr>
+          <p:spPr>
+            <a:xfrm>
+              <a:off x="1416423" y="2061180"/>
+              <a:ext cx="1338729" cy="307777"/>
+            </a:xfrm>
+            <a:prstGeom prst="rect">
+              <a:avLst/>
+            </a:prstGeom>
+            <a:noFill/>
+          </p:spPr>
+          <p:txBody>
+            <a:bodyPr wrap="square" rtlCol="0">
+              <a:spAutoFit/>
+            </a:bodyPr>
+            <a:lstStyle/>
+            <a:p>
+              <a:r>
+                <a:rPr lang="en-US" altLang="ko-KR" sz="1400" smtClean="0"/>
+                <a:t>MusicLight</a:t>
+              </a:r>
+              <a:endParaRPr lang="ko-KR" altLang="en-US" sz="1400"/>
+            </a:p>
+          </p:txBody>
+        </p:sp>
+      </p:grpSp>
+      <p:grpSp>
+        <p:nvGrpSpPr>
+          <p:cNvPr id="20" name="그룹 19"/>
+          <p:cNvGrpSpPr/>
+          <p:nvPr/>
+        </p:nvGrpSpPr>
+        <p:grpSpPr>
+          <a:xfrm>
+            <a:off x="577570" y="1755953"/>
+            <a:ext cx="2094212" cy="3315163"/>
+            <a:chOff x="3043534" y="1498155"/>
+            <a:chExt cx="2094212" cy="3315163"/>
+          </a:xfrm>
+        </p:grpSpPr>
+        <p:grpSp>
+          <p:nvGrpSpPr>
+            <p:cNvPr id="13" name="그룹 12"/>
+            <p:cNvGrpSpPr/>
+            <p:nvPr/>
+          </p:nvGrpSpPr>
+          <p:grpSpPr>
+            <a:xfrm>
+              <a:off x="3043534" y="1498155"/>
+              <a:ext cx="2094212" cy="3315163"/>
+              <a:chOff x="867929" y="1488082"/>
+              <a:chExt cx="2094212" cy="3315163"/>
+            </a:xfrm>
+          </p:grpSpPr>
+          <p:pic>
+            <p:nvPicPr>
+              <p:cNvPr id="14" name="그림 13"/>
+              <p:cNvPicPr>
+                <a:picLocks noChangeAspect="1"/>
+              </p:cNvPicPr>
+              <p:nvPr/>
+            </p:nvPicPr>
+            <p:blipFill>
+              <a:blip r:embed="rId2">
+                <a:extLst>
+                  <a:ext uri="{28A0092B-C50C-407E-A947-70E740481C1C}">
+                    <a14:useLocalDpi xmlns:a14="http://schemas.microsoft.com/office/drawing/2010/main" val="0"/>
+                  </a:ext>
+                </a:extLst>
+              </a:blip>
+              <a:stretch>
+                <a:fillRect/>
+              </a:stretch>
+            </p:blipFill>
+            <p:spPr>
+              <a:xfrm>
+                <a:off x="867929" y="1488082"/>
+                <a:ext cx="2094212" cy="3315163"/>
+              </a:xfrm>
+              <a:prstGeom prst="rect">
+                <a:avLst/>
+              </a:prstGeom>
+            </p:spPr>
+          </p:pic>
+          <p:pic>
+            <p:nvPicPr>
+              <p:cNvPr id="15" name="그림 14"/>
+              <p:cNvPicPr>
+                <a:picLocks noChangeAspect="1"/>
+              </p:cNvPicPr>
+              <p:nvPr/>
+            </p:nvPicPr>
+            <p:blipFill>
+              <a:blip r:embed="rId3" cstate="print">
+                <a:extLst>
+                  <a:ext uri="{28A0092B-C50C-407E-A947-70E740481C1C}">
+                    <a14:useLocalDpi xmlns:a14="http://schemas.microsoft.com/office/drawing/2010/main" val="0"/>
+                  </a:ext>
+                </a:extLst>
+              </a:blip>
+              <a:stretch>
+                <a:fillRect/>
+              </a:stretch>
+            </p:blipFill>
+            <p:spPr>
+              <a:xfrm>
+                <a:off x="1223291" y="2061180"/>
+                <a:ext cx="234967" cy="277688"/>
+              </a:xfrm>
+              <a:prstGeom prst="rect">
+                <a:avLst/>
+              </a:prstGeom>
+            </p:spPr>
+          </p:pic>
+          <p:sp>
+            <p:nvSpPr>
+              <p:cNvPr id="16" name="TextBox 15"/>
+              <p:cNvSpPr txBox="1"/>
+              <p:nvPr/>
+            </p:nvSpPr>
+            <p:spPr>
+              <a:xfrm>
+                <a:off x="1416423" y="2061180"/>
+                <a:ext cx="1338729" cy="307777"/>
+              </a:xfrm>
+              <a:prstGeom prst="rect">
+                <a:avLst/>
+              </a:prstGeom>
+              <a:noFill/>
+            </p:spPr>
+            <p:txBody>
+              <a:bodyPr wrap="square" rtlCol="0">
+                <a:spAutoFit/>
+              </a:bodyPr>
+              <a:lstStyle/>
+              <a:p>
+                <a:r>
+                  <a:rPr lang="en-US" altLang="ko-KR" sz="1400" smtClean="0"/>
+                  <a:t>MusicLight</a:t>
+                </a:r>
+                <a:endParaRPr lang="ko-KR" altLang="en-US" sz="1400"/>
+              </a:p>
+            </p:txBody>
+          </p:sp>
+        </p:grpSp>
+        <p:sp>
+          <p:nvSpPr>
+            <p:cNvPr id="17" name="직사각형 16"/>
+            <p:cNvSpPr/>
+            <p:nvPr/>
+          </p:nvSpPr>
+          <p:spPr>
+            <a:xfrm>
+              <a:off x="3444325" y="2742225"/>
+              <a:ext cx="1338059" cy="253860"/>
+            </a:xfrm>
+            <a:prstGeom prst="rect">
+              <a:avLst/>
+            </a:prstGeom>
+            <a:solidFill>
+              <a:schemeClr val="accent2">
+                <a:lumMod val="60000"/>
+                <a:lumOff val="40000"/>
+              </a:schemeClr>
+            </a:solidFill>
+            <a:ln>
+              <a:noFill/>
+            </a:ln>
+          </p:spPr>
+          <p:style>
+            <a:lnRef idx="2">
+              <a:schemeClr val="accent1">
+                <a:shade val="50000"/>
+              </a:schemeClr>
+            </a:lnRef>
+            <a:fillRef idx="1">
+              <a:schemeClr val="accent1"/>
+            </a:fillRef>
+            <a:effectRef idx="0">
+              <a:schemeClr val="accent1"/>
+            </a:effectRef>
+            <a:fontRef idx="minor">
+              <a:schemeClr val="lt1"/>
+            </a:fontRef>
+          </p:style>
+          <p:txBody>
+            <a:bodyPr rtlCol="0" anchor="ctr"/>
+            <a:lstStyle/>
+            <a:p>
+              <a:pPr algn="ctr"/>
+              <a:r>
+                <a:rPr lang="ko-KR" altLang="en-US" sz="1400" smtClean="0">
+                  <a:solidFill>
+                    <a:sysClr val="windowText" lastClr="000000"/>
+                  </a:solidFill>
+                </a:rPr>
+                <a:t>블루투스 연결</a:t>
+              </a:r>
+              <a:endParaRPr lang="ko-KR" altLang="en-US" sz="1400" dirty="0">
+                <a:solidFill>
+                  <a:sysClr val="windowText" lastClr="000000"/>
+                </a:solidFill>
+              </a:endParaRPr>
+            </a:p>
+          </p:txBody>
+        </p:sp>
+        <p:sp>
+          <p:nvSpPr>
+            <p:cNvPr id="19" name="직사각형 18"/>
+            <p:cNvSpPr/>
+            <p:nvPr/>
+          </p:nvSpPr>
+          <p:spPr>
+            <a:xfrm>
+              <a:off x="3446812" y="3461863"/>
+              <a:ext cx="1338059" cy="253860"/>
+            </a:xfrm>
+            <a:prstGeom prst="rect">
+              <a:avLst/>
+            </a:prstGeom>
+            <a:solidFill>
+              <a:schemeClr val="accent2">
+                <a:lumMod val="60000"/>
+                <a:lumOff val="40000"/>
+              </a:schemeClr>
+            </a:solidFill>
+            <a:ln>
+              <a:noFill/>
+            </a:ln>
+          </p:spPr>
+          <p:style>
+            <a:lnRef idx="2">
+              <a:schemeClr val="accent1">
+                <a:shade val="50000"/>
+              </a:schemeClr>
+            </a:lnRef>
+            <a:fillRef idx="1">
+              <a:schemeClr val="accent1"/>
+            </a:fillRef>
+            <a:effectRef idx="0">
+              <a:schemeClr val="accent1"/>
+            </a:effectRef>
+            <a:fontRef idx="minor">
+              <a:schemeClr val="lt1"/>
+            </a:fontRef>
+          </p:style>
+          <p:txBody>
+            <a:bodyPr rtlCol="0" anchor="ctr"/>
+            <a:lstStyle/>
+            <a:p>
+              <a:pPr algn="ctr"/>
+              <a:r>
+                <a:rPr lang="ko-KR" altLang="en-US" sz="1400" smtClean="0">
+                  <a:solidFill>
+                    <a:sysClr val="windowText" lastClr="000000"/>
+                  </a:solidFill>
+                </a:rPr>
+                <a:t>블루투스 해제</a:t>
+              </a:r>
+              <a:endParaRPr lang="ko-KR" altLang="en-US" sz="1400" dirty="0">
+                <a:solidFill>
+                  <a:sysClr val="windowText" lastClr="000000"/>
+                </a:solidFill>
+              </a:endParaRPr>
+            </a:p>
+          </p:txBody>
+        </p:sp>
+      </p:grpSp>
+      <p:sp>
+        <p:nvSpPr>
+          <p:cNvPr id="28" name="직사각형 27"/>
+          <p:cNvSpPr/>
+          <p:nvPr/>
+        </p:nvSpPr>
         <p:spPr>
           <a:xfrm>
-            <a:off x="867929" y="1488082"/>
-            <a:ext cx="2094212" cy="3315163"/>
+            <a:off x="5368471" y="2606738"/>
+            <a:ext cx="1553092" cy="210203"/>
+          </a:xfrm>
+          <a:prstGeom prst="rect">
+            <a:avLst/>
+          </a:prstGeom>
+          <a:solidFill>
+            <a:schemeClr val="bg1">
+              <a:lumMod val="85000"/>
+            </a:schemeClr>
+          </a:solidFill>
+        </p:spPr>
+        <p:style>
+          <a:lnRef idx="2">
+            <a:schemeClr val="dk1"/>
+          </a:lnRef>
+          <a:fillRef idx="1">
+            <a:schemeClr val="lt1"/>
+          </a:fillRef>
+          <a:effectRef idx="0">
+            <a:schemeClr val="dk1"/>
+          </a:effectRef>
+          <a:fontRef idx="minor">
+            <a:schemeClr val="dk1"/>
+          </a:fontRef>
+        </p:style>
+        <p:txBody>
+          <a:bodyPr rtlCol="0" anchor="ctr"/>
+          <a:lstStyle/>
+          <a:p>
+            <a:pPr algn="ctr"/>
+            <a:r>
+              <a:rPr lang="en-US" altLang="ko-KR" sz="1400" smtClean="0"/>
+              <a:t>/sdcard/Music</a:t>
+            </a:r>
+            <a:endParaRPr lang="ko-KR" altLang="en-US" sz="1400"/>
+          </a:p>
+        </p:txBody>
+      </p:sp>
+      <p:sp>
+        <p:nvSpPr>
+          <p:cNvPr id="30" name="직사각형 29"/>
+          <p:cNvSpPr/>
+          <p:nvPr/>
+        </p:nvSpPr>
+        <p:spPr>
+          <a:xfrm>
+            <a:off x="5368471" y="2927555"/>
+            <a:ext cx="1553092" cy="1622322"/>
           </a:xfrm>
           <a:prstGeom prst="rect">
             <a:avLst/>
           </a:prstGeom>
         </p:spPr>
-      </p:pic>
-      <p:sp>
-        <p:nvSpPr>
-          <p:cNvPr id="3" name="직사각형 2"/>
+        <p:style>
+          <a:lnRef idx="1">
+            <a:schemeClr val="accent1"/>
+          </a:lnRef>
+          <a:fillRef idx="2">
+            <a:schemeClr val="accent1"/>
+          </a:fillRef>
+          <a:effectRef idx="1">
+            <a:schemeClr val="accent1"/>
+          </a:effectRef>
+          <a:fontRef idx="minor">
+            <a:schemeClr val="dk1"/>
+          </a:fontRef>
+        </p:style>
+        <p:txBody>
+          <a:bodyPr rtlCol="0" anchor="t"/>
+          <a:lstStyle/>
+          <a:p>
+            <a:pPr algn="ctr"/>
+            <a:r>
+              <a:rPr lang="en-US" altLang="ko-KR" sz="1600"/>
+              <a:t>&lt;</a:t>
+            </a:r>
+            <a:r>
+              <a:rPr lang="ko-KR" altLang="en-US" sz="1600" smtClean="0"/>
+              <a:t>노래목록</a:t>
+            </a:r>
+            <a:r>
+              <a:rPr lang="en-US" altLang="ko-KR" sz="1600" smtClean="0"/>
+              <a:t>&gt;</a:t>
+            </a:r>
+          </a:p>
+          <a:p>
+            <a:r>
+              <a:rPr lang="en-US" altLang="ko-KR" sz="1000" smtClean="0"/>
+              <a:t>--------------------------</a:t>
+            </a:r>
+            <a:endParaRPr lang="ko-KR" altLang="en-US" sz="1600"/>
+          </a:p>
+        </p:txBody>
+      </p:sp>
+      <p:sp>
+        <p:nvSpPr>
+          <p:cNvPr id="32" name="모서리가 둥근 직사각형 31"/>
           <p:cNvSpPr/>
           <p:nvPr/>
         </p:nvSpPr>
         <p:spPr>
           <a:xfrm>
-            <a:off x="1253544" y="2234347"/>
-            <a:ext cx="1360868" cy="349878"/>
+            <a:off x="5488698" y="3419356"/>
+            <a:ext cx="1104899" cy="306127"/>
+          </a:xfrm>
+          <a:prstGeom prst="roundRect">
+            <a:avLst/>
+          </a:prstGeom>
+        </p:spPr>
+        <p:style>
+          <a:lnRef idx="0">
+            <a:schemeClr val="accent2"/>
+          </a:lnRef>
+          <a:fillRef idx="3">
+            <a:schemeClr val="accent2"/>
+          </a:fillRef>
+          <a:effectRef idx="3">
+            <a:schemeClr val="accent2"/>
+          </a:effectRef>
+          <a:fontRef idx="minor">
+            <a:schemeClr val="lt1"/>
+          </a:fontRef>
+        </p:style>
+        <p:txBody>
+          <a:bodyPr rtlCol="0" anchor="ctr"/>
+          <a:lstStyle/>
+          <a:p>
+            <a:pPr algn="ctr"/>
+            <a:endParaRPr lang="ko-KR" altLang="en-US"/>
+          </a:p>
+        </p:txBody>
+      </p:sp>
+      <p:sp>
+        <p:nvSpPr>
+          <p:cNvPr id="29" name="TextBox 28"/>
+          <p:cNvSpPr txBox="1"/>
+          <p:nvPr/>
+        </p:nvSpPr>
+        <p:spPr>
+          <a:xfrm>
+            <a:off x="5467338" y="3392307"/>
+            <a:ext cx="1553092" cy="923330"/>
+          </a:xfrm>
+          <a:prstGeom prst="rect">
+            <a:avLst/>
+          </a:prstGeom>
+          <a:noFill/>
+        </p:spPr>
+        <p:txBody>
+          <a:bodyPr wrap="square" rtlCol="0">
+            <a:spAutoFit/>
+          </a:bodyPr>
+          <a:lstStyle/>
+          <a:p>
+            <a:r>
+              <a:rPr lang="en-US" altLang="ko-KR" smtClean="0"/>
+              <a:t>aaa.mp3 </a:t>
+            </a:r>
+          </a:p>
+          <a:p>
+            <a:r>
+              <a:rPr lang="en-US" altLang="ko-KR" smtClean="0"/>
+              <a:t>bbb.mp3</a:t>
+            </a:r>
+          </a:p>
+          <a:p>
+            <a:r>
+              <a:rPr lang="en-US" altLang="ko-KR" smtClean="0"/>
+              <a:t>ccc.mp3</a:t>
+            </a:r>
+            <a:endParaRPr lang="ko-KR" altLang="en-US"/>
+          </a:p>
+        </p:txBody>
+      </p:sp>
+      <p:sp>
+        <p:nvSpPr>
+          <p:cNvPr id="31" name="직사각형 30"/>
+          <p:cNvSpPr/>
+          <p:nvPr/>
+        </p:nvSpPr>
+        <p:spPr>
+          <a:xfrm>
+            <a:off x="3288380" y="4007179"/>
+            <a:ext cx="1338059" cy="253860"/>
           </a:xfrm>
           <a:prstGeom prst="rect">
             <a:avLst/>
@@ -4170,12 +4920,12 @@
           <a:p>
             <a:pPr algn="ctr"/>
             <a:r>
-              <a:rPr lang="en-US" altLang="ko-KR" dirty="0" smtClean="0">
+              <a:rPr lang="ko-KR" altLang="en-US" smtClean="0">
                 <a:solidFill>
                   <a:sysClr val="windowText" lastClr="000000"/>
                 </a:solidFill>
               </a:rPr>
-              <a:t>connecting</a:t>
+              <a:t>노래 재생</a:t>
             </a:r>
             <a:endParaRPr lang="ko-KR" altLang="en-US" dirty="0">
               <a:solidFill>
@@ -4185,29 +4935,214 @@
           </a:p>
         </p:txBody>
       </p:sp>
-      <p:sp>
-        <p:nvSpPr>
-          <p:cNvPr id="4" name="직사각형 3"/>
+      <p:grpSp>
+        <p:nvGrpSpPr>
+          <p:cNvPr id="33" name="그룹 32"/>
+          <p:cNvGrpSpPr/>
+          <p:nvPr/>
+        </p:nvGrpSpPr>
+        <p:grpSpPr>
+          <a:xfrm>
+            <a:off x="7238271" y="1755953"/>
+            <a:ext cx="2094212" cy="3315163"/>
+            <a:chOff x="867929" y="1488082"/>
+            <a:chExt cx="2094212" cy="3315163"/>
+          </a:xfrm>
+        </p:grpSpPr>
+        <p:pic>
+          <p:nvPicPr>
+            <p:cNvPr id="34" name="그림 33"/>
+            <p:cNvPicPr>
+              <a:picLocks noChangeAspect="1"/>
+            </p:cNvPicPr>
+            <p:nvPr/>
+          </p:nvPicPr>
+          <p:blipFill>
+            <a:blip r:embed="rId2">
+              <a:extLst>
+                <a:ext uri="{28A0092B-C50C-407E-A947-70E740481C1C}">
+                  <a14:useLocalDpi xmlns:a14="http://schemas.microsoft.com/office/drawing/2010/main" val="0"/>
+                </a:ext>
+              </a:extLst>
+            </a:blip>
+            <a:stretch>
+              <a:fillRect/>
+            </a:stretch>
+          </p:blipFill>
+          <p:spPr>
+            <a:xfrm>
+              <a:off x="867929" y="1488082"/>
+              <a:ext cx="2094212" cy="3315163"/>
+            </a:xfrm>
+            <a:prstGeom prst="rect">
+              <a:avLst/>
+            </a:prstGeom>
+          </p:spPr>
+        </p:pic>
+        <p:pic>
+          <p:nvPicPr>
+            <p:cNvPr id="35" name="그림 34"/>
+            <p:cNvPicPr>
+              <a:picLocks noChangeAspect="1"/>
+            </p:cNvPicPr>
+            <p:nvPr/>
+          </p:nvPicPr>
+          <p:blipFill>
+            <a:blip r:embed="rId3" cstate="print">
+              <a:extLst>
+                <a:ext uri="{28A0092B-C50C-407E-A947-70E740481C1C}">
+                  <a14:useLocalDpi xmlns:a14="http://schemas.microsoft.com/office/drawing/2010/main" val="0"/>
+                </a:ext>
+              </a:extLst>
+            </a:blip>
+            <a:stretch>
+              <a:fillRect/>
+            </a:stretch>
+          </p:blipFill>
+          <p:spPr>
+            <a:xfrm>
+              <a:off x="1223291" y="2061180"/>
+              <a:ext cx="234967" cy="277688"/>
+            </a:xfrm>
+            <a:prstGeom prst="rect">
+              <a:avLst/>
+            </a:prstGeom>
+          </p:spPr>
+        </p:pic>
+        <p:sp>
+          <p:nvSpPr>
+            <p:cNvPr id="36" name="TextBox 35"/>
+            <p:cNvSpPr txBox="1"/>
+            <p:nvPr/>
+          </p:nvSpPr>
+          <p:spPr>
+            <a:xfrm>
+              <a:off x="1416423" y="2061180"/>
+              <a:ext cx="1338729" cy="307777"/>
+            </a:xfrm>
+            <a:prstGeom prst="rect">
+              <a:avLst/>
+            </a:prstGeom>
+            <a:noFill/>
+          </p:spPr>
+          <p:txBody>
+            <a:bodyPr wrap="square" rtlCol="0">
+              <a:spAutoFit/>
+            </a:bodyPr>
+            <a:lstStyle/>
+            <a:p>
+              <a:r>
+                <a:rPr lang="en-US" altLang="ko-KR" sz="1400" smtClean="0"/>
+                <a:t>MusicLight</a:t>
+              </a:r>
+              <a:endParaRPr lang="ko-KR" altLang="en-US" sz="1400"/>
+            </a:p>
+          </p:txBody>
+        </p:sp>
+      </p:grpSp>
+      <p:sp>
+        <p:nvSpPr>
+          <p:cNvPr id="37" name="직사각형 36"/>
           <p:cNvSpPr/>
           <p:nvPr/>
         </p:nvSpPr>
         <p:spPr>
           <a:xfrm>
-            <a:off x="1253544" y="2970724"/>
-            <a:ext cx="1360868" cy="349878"/>
+            <a:off x="7516451" y="2721168"/>
+            <a:ext cx="1553092" cy="612581"/>
+          </a:xfrm>
+          <a:prstGeom prst="rect">
+            <a:avLst/>
+          </a:prstGeom>
+        </p:spPr>
+        <p:style>
+          <a:lnRef idx="2">
+            <a:schemeClr val="accent4">
+              <a:shade val="50000"/>
+            </a:schemeClr>
+          </a:lnRef>
+          <a:fillRef idx="1">
+            <a:schemeClr val="accent4"/>
+          </a:fillRef>
+          <a:effectRef idx="0">
+            <a:schemeClr val="accent4"/>
+          </a:effectRef>
+          <a:fontRef idx="minor">
+            <a:schemeClr val="lt1"/>
+          </a:fontRef>
+        </p:style>
+        <p:txBody>
+          <a:bodyPr rtlCol="0" anchor="ctr"/>
+          <a:lstStyle/>
+          <a:p>
+            <a:pPr algn="ctr"/>
+            <a:r>
+              <a:rPr lang="en-US" altLang="ko-KR" sz="1400" smtClean="0"/>
+              <a:t>aaa.mp3</a:t>
+            </a:r>
+            <a:endParaRPr lang="ko-KR" altLang="en-US" sz="1400"/>
+          </a:p>
+        </p:txBody>
+      </p:sp>
+      <p:sp>
+        <p:nvSpPr>
+          <p:cNvPr id="38" name="직사각형 37"/>
+          <p:cNvSpPr/>
+          <p:nvPr/>
+        </p:nvSpPr>
+        <p:spPr>
+          <a:xfrm>
+            <a:off x="7516451" y="3333750"/>
+            <a:ext cx="1553092" cy="114428"/>
           </a:xfrm>
           <a:prstGeom prst="rect">
             <a:avLst/>
           </a:prstGeom>
           <a:solidFill>
-            <a:schemeClr val="accent2">
-              <a:lumMod val="60000"/>
-              <a:lumOff val="40000"/>
+            <a:schemeClr val="bg1">
+              <a:lumMod val="75000"/>
             </a:schemeClr>
           </a:solidFill>
-          <a:ln>
-            <a:noFill/>
-          </a:ln>
+        </p:spPr>
+        <p:style>
+          <a:lnRef idx="2">
+            <a:schemeClr val="accent3">
+              <a:shade val="50000"/>
+            </a:schemeClr>
+          </a:lnRef>
+          <a:fillRef idx="1">
+            <a:schemeClr val="accent3"/>
+          </a:fillRef>
+          <a:effectRef idx="0">
+            <a:schemeClr val="accent3"/>
+          </a:effectRef>
+          <a:fontRef idx="minor">
+            <a:schemeClr val="lt1"/>
+          </a:fontRef>
+        </p:style>
+        <p:txBody>
+          <a:bodyPr rtlCol="0" anchor="ctr"/>
+          <a:lstStyle/>
+          <a:p>
+            <a:pPr algn="ctr"/>
+            <a:endParaRPr lang="ko-KR" altLang="en-US"/>
+          </a:p>
+        </p:txBody>
+      </p:sp>
+      <p:sp>
+        <p:nvSpPr>
+          <p:cNvPr id="39" name="직사각형 38"/>
+          <p:cNvSpPr/>
+          <p:nvPr/>
+        </p:nvSpPr>
+        <p:spPr>
+          <a:xfrm>
+            <a:off x="7930776" y="3333749"/>
+            <a:ext cx="65742" cy="114429"/>
+          </a:xfrm>
+          <a:prstGeom prst="rect">
+            <a:avLst/>
+          </a:prstGeom>
         </p:spPr>
         <p:style>
           <a:lnRef idx="2">
@@ -4230,60 +5165,180 @@
           <a:lstStyle/>
           <a:p>
             <a:pPr algn="ctr"/>
-            <a:r>
-              <a:rPr lang="ko-KR" altLang="en-US" dirty="0" smtClean="0">
-                <a:solidFill>
-                  <a:sysClr val="windowText" lastClr="000000"/>
-                </a:solidFill>
-              </a:rPr>
-              <a:t>노래 찾기</a:t>
-            </a:r>
-            <a:endParaRPr lang="ko-KR" altLang="en-US" dirty="0">
-              <a:solidFill>
-                <a:sysClr val="windowText" lastClr="000000"/>
-              </a:solidFill>
-            </a:endParaRPr>
-          </a:p>
-        </p:txBody>
-      </p:sp>
-      <p:sp>
-        <p:nvSpPr>
-          <p:cNvPr id="5" name="직사각형 4"/>
+            <a:endParaRPr lang="ko-KR" altLang="en-US"/>
+          </a:p>
+        </p:txBody>
+      </p:sp>
+      <p:sp>
+        <p:nvSpPr>
+          <p:cNvPr id="40" name="TextBox 39"/>
+          <p:cNvSpPr txBox="1"/>
+          <p:nvPr/>
+        </p:nvSpPr>
+        <p:spPr>
+          <a:xfrm>
+            <a:off x="7462683" y="3431045"/>
+            <a:ext cx="348850" cy="184666"/>
+          </a:xfrm>
+          <a:prstGeom prst="rect">
+            <a:avLst/>
+          </a:prstGeom>
+          <a:noFill/>
+        </p:spPr>
+        <p:txBody>
+          <a:bodyPr wrap="square" rtlCol="0">
+            <a:spAutoFit/>
+          </a:bodyPr>
+          <a:lstStyle/>
+          <a:p>
+            <a:r>
+              <a:rPr lang="en-US" altLang="ko-KR" sz="600" smtClean="0"/>
+              <a:t>0:00</a:t>
+            </a:r>
+            <a:endParaRPr lang="ko-KR" altLang="en-US" sz="600"/>
+          </a:p>
+        </p:txBody>
+      </p:sp>
+      <p:sp>
+        <p:nvSpPr>
+          <p:cNvPr id="41" name="TextBox 40"/>
+          <p:cNvSpPr txBox="1"/>
+          <p:nvPr/>
+        </p:nvSpPr>
+        <p:spPr>
+          <a:xfrm>
+            <a:off x="8786168" y="3423093"/>
+            <a:ext cx="348850" cy="184666"/>
+          </a:xfrm>
+          <a:prstGeom prst="rect">
+            <a:avLst/>
+          </a:prstGeom>
+          <a:noFill/>
+        </p:spPr>
+        <p:txBody>
+          <a:bodyPr wrap="square" rtlCol="0">
+            <a:spAutoFit/>
+          </a:bodyPr>
+          <a:lstStyle/>
+          <a:p>
+            <a:r>
+              <a:rPr lang="en-US" altLang="ko-KR" sz="600" smtClean="0"/>
+              <a:t>3:50</a:t>
+            </a:r>
+            <a:endParaRPr lang="ko-KR" altLang="en-US" sz="600"/>
+          </a:p>
+        </p:txBody>
+      </p:sp>
+      <p:sp>
+        <p:nvSpPr>
+          <p:cNvPr id="42" name="실행 단추: 앞으로 또는 다음 41">
+            <a:hlinkClick r:id="" action="ppaction://noaction" highlightClick="1"/>
+          </p:cNvPr>
           <p:cNvSpPr/>
           <p:nvPr/>
         </p:nvSpPr>
         <p:spPr>
           <a:xfrm>
-            <a:off x="1234601" y="3704953"/>
-            <a:ext cx="1360868" cy="349878"/>
+            <a:off x="7853817" y="3888362"/>
+            <a:ext cx="285402" cy="287518"/>
+          </a:xfrm>
+          <a:prstGeom prst="actionButtonForwardNext">
+            <a:avLst/>
+          </a:prstGeom>
+        </p:spPr>
+        <p:style>
+          <a:lnRef idx="2">
+            <a:schemeClr val="accent6"/>
+          </a:lnRef>
+          <a:fillRef idx="1">
+            <a:schemeClr val="lt1"/>
+          </a:fillRef>
+          <a:effectRef idx="0">
+            <a:schemeClr val="accent6"/>
+          </a:effectRef>
+          <a:fontRef idx="minor">
+            <a:schemeClr val="dk1"/>
+          </a:fontRef>
+        </p:style>
+        <p:txBody>
+          <a:bodyPr rtlCol="0" anchor="ctr"/>
+          <a:lstStyle/>
+          <a:p>
+            <a:pPr algn="ctr"/>
+            <a:endParaRPr lang="ko-KR" altLang="en-US"/>
+          </a:p>
+        </p:txBody>
+      </p:sp>
+      <p:sp>
+        <p:nvSpPr>
+          <p:cNvPr id="43" name="직사각형 42"/>
+          <p:cNvSpPr/>
+          <p:nvPr/>
+        </p:nvSpPr>
+        <p:spPr>
+          <a:xfrm>
+            <a:off x="8413934" y="3888362"/>
+            <a:ext cx="285402" cy="287518"/>
+          </a:xfrm>
+          <a:prstGeom prst="rect">
+            <a:avLst/>
+          </a:prstGeom>
+        </p:spPr>
+        <p:style>
+          <a:lnRef idx="2">
+            <a:schemeClr val="accent6"/>
+          </a:lnRef>
+          <a:fillRef idx="1">
+            <a:schemeClr val="lt1"/>
+          </a:fillRef>
+          <a:effectRef idx="0">
+            <a:schemeClr val="accent6"/>
+          </a:effectRef>
+          <a:fontRef idx="minor">
+            <a:schemeClr val="dk1"/>
+          </a:fontRef>
+        </p:style>
+        <p:txBody>
+          <a:bodyPr rtlCol="0" anchor="ctr"/>
+          <a:lstStyle/>
+          <a:p>
+            <a:pPr algn="ctr"/>
+            <a:endParaRPr lang="ko-KR" altLang="en-US"/>
+          </a:p>
+        </p:txBody>
+      </p:sp>
+      <p:sp>
+        <p:nvSpPr>
+          <p:cNvPr id="44" name="직사각형 43"/>
+          <p:cNvSpPr/>
+          <p:nvPr/>
+        </p:nvSpPr>
+        <p:spPr>
+          <a:xfrm>
+            <a:off x="8462205" y="3944407"/>
+            <a:ext cx="188860" cy="174716"/>
           </a:xfrm>
           <a:prstGeom prst="rect">
             <a:avLst/>
           </a:prstGeom>
           <a:solidFill>
-            <a:schemeClr val="accent2">
-              <a:lumMod val="60000"/>
-              <a:lumOff val="40000"/>
+            <a:schemeClr val="bg1">
+              <a:lumMod val="65000"/>
             </a:schemeClr>
           </a:solidFill>
-          <a:ln>
-            <a:noFill/>
-          </a:ln>
         </p:spPr>
         <p:style>
           <a:lnRef idx="2">
-            <a:schemeClr val="accent1">
-              <a:shade val="50000"/>
-            </a:schemeClr>
+            <a:schemeClr val="accent6"/>
           </a:lnRef>
           <a:fillRef idx="1">
-            <a:schemeClr val="accent1"/>
+            <a:schemeClr val="lt1"/>
           </a:fillRef>
           <a:effectRef idx="0">
-            <a:schemeClr val="accent1"/>
+            <a:schemeClr val="accent6"/>
           </a:effectRef>
           <a:fontRef idx="minor">
-            <a:schemeClr val="lt1"/>
+            <a:schemeClr val="dk1"/>
           </a:fontRef>
         </p:style>
         <p:txBody>
@@ -4291,27 +5346,7 @@
           <a:lstStyle/>
           <a:p>
             <a:pPr algn="ctr"/>
-            <a:r>
-              <a:rPr lang="en-US" altLang="ko-KR" dirty="0" smtClean="0">
-                <a:solidFill>
-                  <a:sysClr val="windowText" lastClr="000000"/>
-                </a:solidFill>
-              </a:rPr>
-              <a:t>FFT </a:t>
-            </a:r>
-            <a:r>
-              <a:rPr lang="ko-KR" altLang="en-US" dirty="0" smtClean="0">
-                <a:solidFill>
-                  <a:sysClr val="windowText" lastClr="000000"/>
-                </a:solidFill>
-              </a:rPr>
-              <a:t>저장소</a:t>
-            </a:r>
-            <a:endParaRPr lang="ko-KR" altLang="en-US" dirty="0">
-              <a:solidFill>
-                <a:sysClr val="windowText" lastClr="000000"/>
-              </a:solidFill>
-            </a:endParaRPr>
+            <a:endParaRPr lang="ko-KR" altLang="en-US"/>
           </a:p>
         </p:txBody>
       </p:sp>
@@ -4325,6 +5360,13 @@
   <p:clrMapOvr>
     <a:masterClrMapping/>
   </p:clrMapOvr>
+  <p:timing>
+    <p:tnLst>
+      <p:par>
+        <p:cTn id="1" dur="indefinite" restart="never" nodeType="tmRoot"/>
+      </p:par>
+    </p:tnLst>
+  </p:timing>
 </p:sld>
 </file>
 
